--- a/UI design/UI design.pptx
+++ b/UI design/UI design.pptx
@@ -21046,7 +21046,7 @@
             <a:pPr algn="ctr"/>
             <a:r>
               <a:rPr lang="zh-TW" altLang="en-US" dirty="0"/>
-              <a:t>確認</a:t>
+              <a:t>修改</a:t>
             </a:r>
           </a:p>
         </p:txBody>
@@ -21223,7 +21223,7 @@
             <a:pPr algn="ctr"/>
             <a:r>
               <a:rPr lang="zh-TW" altLang="en-US" dirty="0"/>
-              <a:t>返回</a:t>
+              <a:t>確認</a:t>
             </a:r>
           </a:p>
         </p:txBody>
